--- a/PPT/DAA 1 - Kompleksitas Algoritma.pptx
+++ b/PPT/DAA 1 - Kompleksitas Algoritma.pptx
@@ -5,7 +5,7 @@
     <p:sldMasterId id="2147483840" r:id="rId1"/>
   </p:sldMasterIdLst>
   <p:notesMasterIdLst>
-    <p:notesMasterId r:id="rId24"/>
+    <p:notesMasterId r:id="rId23"/>
   </p:notesMasterIdLst>
   <p:sldIdLst>
     <p:sldId id="256" r:id="rId2"/>
@@ -29,7 +29,6 @@
     <p:sldId id="265" r:id="rId20"/>
     <p:sldId id="269" r:id="rId21"/>
     <p:sldId id="270" r:id="rId22"/>
-    <p:sldId id="277" r:id="rId23"/>
   </p:sldIdLst>
   <p:sldSz cx="12192000" cy="6858000"/>
   <p:notesSz cx="6858000" cy="9144000"/>
@@ -15869,7 +15868,6 @@
               <a:rPr lang="id-ID" dirty="0" smtClean="0"/>
               <a:t>Linear, kuadratik, faktorial, atau konstan?</a:t>
             </a:r>
-            <a:endParaRPr lang="id-ID" dirty="0" smtClean="0"/>
           </a:p>
           <a:p>
             <a:r>
@@ -16208,7 +16206,7 @@
         </p:blipFill>
         <p:spPr>
           <a:xfrm>
-            <a:off x="2775045" y="382385"/>
+            <a:off x="2775045" y="123073"/>
             <a:ext cx="6641910" cy="6093230"/>
           </a:xfrm>
           <a:prstGeom prst="rect">
@@ -16216,6 +16214,82 @@
           </a:prstGeom>
         </p:spPr>
       </p:pic>
+      <p:sp>
+        <p:nvSpPr>
+          <p:cNvPr id="2" name="TextBox 1"/>
+          <p:cNvSpPr txBox="1"/>
+          <p:nvPr/>
+        </p:nvSpPr>
+        <p:spPr>
+          <a:xfrm>
+            <a:off x="5663819" y="6107119"/>
+            <a:ext cx="997389" cy="276999"/>
+          </a:xfrm>
+          <a:prstGeom prst="rect">
+            <a:avLst/>
+          </a:prstGeom>
+          <a:noFill/>
+        </p:spPr>
+        <p:txBody>
+          <a:bodyPr wrap="none" rtlCol="0">
+            <a:spAutoFit/>
+          </a:bodyPr>
+          <a:lstStyle/>
+          <a:p>
+            <a:r>
+              <a:rPr lang="id-ID" sz="1200" dirty="0" smtClean="0"/>
+              <a:t>Input size (</a:t>
+            </a:r>
+            <a:r>
+              <a:rPr lang="id-ID" sz="1200" i="1" dirty="0" smtClean="0"/>
+              <a:t>n</a:t>
+            </a:r>
+            <a:r>
+              <a:rPr lang="id-ID" sz="1200" dirty="0" smtClean="0"/>
+              <a:t>)</a:t>
+            </a:r>
+            <a:endParaRPr lang="id-ID" sz="1200" dirty="0"/>
+          </a:p>
+        </p:txBody>
+      </p:sp>
+      <p:sp>
+        <p:nvSpPr>
+          <p:cNvPr id="7" name="TextBox 6"/>
+          <p:cNvSpPr txBox="1"/>
+          <p:nvPr/>
+        </p:nvSpPr>
+        <p:spPr>
+          <a:xfrm rot="16200000">
+            <a:off x="2170232" y="2818008"/>
+            <a:ext cx="932628" cy="276999"/>
+          </a:xfrm>
+          <a:prstGeom prst="rect">
+            <a:avLst/>
+          </a:prstGeom>
+          <a:noFill/>
+        </p:spPr>
+        <p:txBody>
+          <a:bodyPr wrap="none" rtlCol="0">
+            <a:spAutoFit/>
+          </a:bodyPr>
+          <a:lstStyle/>
+          <a:p>
+            <a:r>
+              <a:rPr lang="id-ID" sz="1200" dirty="0" smtClean="0"/>
+              <a:t>Runtime (</a:t>
+            </a:r>
+            <a:r>
+              <a:rPr lang="id-ID" sz="1200" i="1" dirty="0" smtClean="0"/>
+              <a:t>T</a:t>
+            </a:r>
+            <a:r>
+              <a:rPr lang="id-ID" sz="1200" dirty="0" smtClean="0"/>
+              <a:t>)</a:t>
+            </a:r>
+            <a:endParaRPr lang="id-ID" sz="1200" dirty="0"/>
+          </a:p>
+        </p:txBody>
+      </p:sp>
     </p:spTree>
     <p:extLst>
       <p:ext uri="{BB962C8B-B14F-4D97-AF65-F5344CB8AC3E}">
@@ -17023,8 +17097,8 @@
           </a:p>
         </p:txBody>
       </p:sp>
-      <mc:AlternateContent xmlns:mc="http://schemas.openxmlformats.org/markup-compatibility/2006">
-        <mc:Choice xmlns:a14="http://schemas.microsoft.com/office/drawing/2010/main" Requires="a14">
+      <mc:AlternateContent xmlns:mc="http://schemas.openxmlformats.org/markup-compatibility/2006" xmlns:a14="http://schemas.microsoft.com/office/drawing/2010/main">
+        <mc:Choice Requires="a14">
           <p:graphicFrame>
             <p:nvGraphicFramePr>
               <p:cNvPr id="6" name="Table 5"/>
@@ -17299,11 +17373,7 @@
                         <a:p>
                           <a:r>
                             <a:rPr lang="id-ID" dirty="0" smtClean="0"/>
-                            <a:t>Standar/rata-rata </a:t>
-                          </a:r>
-                          <a:r>
-                            <a:rPr lang="id-ID" dirty="0" smtClean="0"/>
-                            <a:t>order of growth</a:t>
+                            <a:t>Standar/rata-rata order of growth</a:t>
                           </a:r>
                           <a:endParaRPr lang="id-ID" dirty="0"/>
                         </a:p>
@@ -17321,7 +17391,7 @@
             </a:graphic>
           </p:graphicFrame>
         </mc:Choice>
-        <mc:Fallback>
+        <mc:Fallback xmlns="">
           <p:graphicFrame>
             <p:nvGraphicFramePr>
               <p:cNvPr id="6" name="Table 5"/>
@@ -20203,8 +20273,8 @@
           </a:p>
         </p:txBody>
       </p:sp>
-      <mc:AlternateContent xmlns:mc="http://schemas.openxmlformats.org/markup-compatibility/2006">
-        <mc:Choice xmlns:a14="http://schemas.microsoft.com/office/drawing/2010/main" Requires="a14">
+      <mc:AlternateContent xmlns:mc="http://schemas.openxmlformats.org/markup-compatibility/2006" xmlns:a14="http://schemas.microsoft.com/office/drawing/2010/main">
+        <mc:Choice Requires="a14">
           <p:graphicFrame>
             <p:nvGraphicFramePr>
               <p:cNvPr id="6" name="Content Placeholder 5"/>
@@ -20779,7 +20849,7 @@
             </a:graphic>
           </p:graphicFrame>
         </mc:Choice>
-        <mc:Fallback>
+        <mc:Fallback xmlns="">
           <p:graphicFrame>
             <p:nvGraphicFramePr>
               <p:cNvPr id="6" name="Content Placeholder 5"/>
@@ -21221,128 +21291,6 @@
     <p:extLst>
       <p:ext uri="{BB962C8B-B14F-4D97-AF65-F5344CB8AC3E}">
         <p14:creationId xmlns:p14="http://schemas.microsoft.com/office/powerpoint/2010/main" val="2437327716"/>
-      </p:ext>
-    </p:extLst>
-  </p:cSld>
-  <p:clrMapOvr>
-    <a:masterClrMapping/>
-  </p:clrMapOvr>
-  <p:timing>
-    <p:tnLst>
-      <p:par>
-        <p:cTn id="1" dur="indefinite" restart="never" nodeType="tmRoot"/>
-      </p:par>
-    </p:tnLst>
-  </p:timing>
-</p:sld>
-</file>
-
-<file path=ppt/slides/slide22.xml><?xml version="1.0" encoding="utf-8"?>
-<p:sld xmlns:a="http://schemas.openxmlformats.org/drawingml/2006/main" xmlns:r="http://schemas.openxmlformats.org/officeDocument/2006/relationships" xmlns:p="http://schemas.openxmlformats.org/presentationml/2006/main">
-  <p:cSld>
-    <p:spTree>
-      <p:nvGrpSpPr>
-        <p:cNvPr id="1" name=""/>
-        <p:cNvGrpSpPr/>
-        <p:nvPr/>
-      </p:nvGrpSpPr>
-      <p:grpSpPr>
-        <a:xfrm>
-          <a:off x="0" y="0"/>
-          <a:ext cx="0" cy="0"/>
-          <a:chOff x="0" y="0"/>
-          <a:chExt cx="0" cy="0"/>
-        </a:xfrm>
-      </p:grpSpPr>
-      <p:sp>
-        <p:nvSpPr>
-          <p:cNvPr id="2" name="Title 1"/>
-          <p:cNvSpPr>
-            <a:spLocks noGrp="1"/>
-          </p:cNvSpPr>
-          <p:nvPr>
-            <p:ph type="title"/>
-          </p:nvPr>
-        </p:nvSpPr>
-        <p:spPr/>
-        <p:txBody>
-          <a:bodyPr/>
-          <a:lstStyle/>
-          <a:p>
-            <a:endParaRPr lang="id-ID"/>
-          </a:p>
-        </p:txBody>
-      </p:sp>
-      <p:sp>
-        <p:nvSpPr>
-          <p:cNvPr id="3" name="Content Placeholder 2"/>
-          <p:cNvSpPr>
-            <a:spLocks noGrp="1"/>
-          </p:cNvSpPr>
-          <p:nvPr>
-            <p:ph idx="1"/>
-          </p:nvPr>
-        </p:nvSpPr>
-        <p:spPr/>
-        <p:txBody>
-          <a:bodyPr/>
-          <a:lstStyle/>
-          <a:p>
-            <a:endParaRPr lang="id-ID"/>
-          </a:p>
-        </p:txBody>
-      </p:sp>
-      <p:sp>
-        <p:nvSpPr>
-          <p:cNvPr id="4" name="Footer Placeholder 3"/>
-          <p:cNvSpPr>
-            <a:spLocks noGrp="1"/>
-          </p:cNvSpPr>
-          <p:nvPr>
-            <p:ph type="ftr" sz="quarter" idx="11"/>
-          </p:nvPr>
-        </p:nvSpPr>
-        <p:spPr/>
-        <p:txBody>
-          <a:bodyPr/>
-          <a:lstStyle/>
-          <a:p>
-            <a:r>
-              <a:rPr lang="en-US" smtClean="0"/>
-              <a:t>DAA 1 - Kompleksitas Algoritma</a:t>
-            </a:r>
-            <a:endParaRPr lang="en-US" dirty="0"/>
-          </a:p>
-        </p:txBody>
-      </p:sp>
-      <p:sp>
-        <p:nvSpPr>
-          <p:cNvPr id="5" name="Slide Number Placeholder 4"/>
-          <p:cNvSpPr>
-            <a:spLocks noGrp="1"/>
-          </p:cNvSpPr>
-          <p:nvPr>
-            <p:ph type="sldNum" sz="quarter" idx="12"/>
-          </p:nvPr>
-        </p:nvSpPr>
-        <p:spPr/>
-        <p:txBody>
-          <a:bodyPr/>
-          <a:lstStyle/>
-          <a:p>
-            <a:fld id="{4FAB73BC-B049-4115-A692-8D63A059BFB8}" type="slidenum">
-              <a:rPr lang="en-US" smtClean="0"/>
-              <a:pPr/>
-              <a:t>22</a:t>
-            </a:fld>
-            <a:endParaRPr lang="en-US" dirty="0"/>
-          </a:p>
-        </p:txBody>
-      </p:sp>
-    </p:spTree>
-    <p:extLst>
-      <p:ext uri="{BB962C8B-B14F-4D97-AF65-F5344CB8AC3E}">
-        <p14:creationId xmlns:p14="http://schemas.microsoft.com/office/powerpoint/2010/main" val="402075128"/>
       </p:ext>
     </p:extLst>
   </p:cSld>

--- a/PPT/DAA 1 - Kompleksitas Algoritma.pptx
+++ b/PPT/DAA 1 - Kompleksitas Algoritma.pptx
@@ -4017,7 +4017,7 @@
           <a:p>
             <a:fld id="{FC1AF9CC-FDA7-429A-9DEF-9308351BD751}" type="datetimeFigureOut">
               <a:rPr lang="id-ID" smtClean="0"/>
-              <a:t>14/08/2017</a:t>
+              <a:t>15/08/2017</a:t>
             </a:fld>
             <a:endParaRPr lang="id-ID"/>
           </a:p>
@@ -4509,7 +4509,7 @@
           <a:p>
             <a:fld id="{F85D5829-13D9-44B8-AF65-76530B3A31AC}" type="datetime1">
               <a:rPr lang="en-US" smtClean="0"/>
-              <a:t>8/14/2017</a:t>
+              <a:t>8/15/2017</a:t>
             </a:fld>
             <a:endParaRPr lang="en-US" dirty="0"/>
           </a:p>
@@ -4679,7 +4679,7 @@
           <a:p>
             <a:fld id="{5D98C646-3837-4E6B-A4E6-9BCF02033CFA}" type="datetime1">
               <a:rPr lang="en-US" smtClean="0"/>
-              <a:t>8/14/2017</a:t>
+              <a:t>8/15/2017</a:t>
             </a:fld>
             <a:endParaRPr lang="en-US" dirty="0"/>
           </a:p>
@@ -4859,7 +4859,7 @@
           <a:p>
             <a:fld id="{A4595266-D7F8-4A5D-9A1C-9D1263D1762D}" type="datetime1">
               <a:rPr lang="en-US" smtClean="0"/>
-              <a:t>8/14/2017</a:t>
+              <a:t>8/15/2017</a:t>
             </a:fld>
             <a:endParaRPr lang="en-US" dirty="0"/>
           </a:p>
@@ -5029,7 +5029,7 @@
           <a:p>
             <a:fld id="{E861C7CF-AE9E-4872-BB94-134761D132DA}" type="datetime1">
               <a:rPr lang="en-US" smtClean="0"/>
-              <a:t>8/14/2017</a:t>
+              <a:t>8/15/2017</a:t>
             </a:fld>
             <a:endParaRPr lang="en-US" dirty="0"/>
           </a:p>
@@ -5287,7 +5287,7 @@
           <a:p>
             <a:fld id="{CC4541D4-3E48-4D38-BB1F-69316B27E4DB}" type="datetime1">
               <a:rPr lang="en-US" smtClean="0"/>
-              <a:t>8/14/2017</a:t>
+              <a:t>8/15/2017</a:t>
             </a:fld>
             <a:endParaRPr lang="en-US" dirty="0"/>
           </a:p>
@@ -5575,7 +5575,7 @@
           <a:p>
             <a:fld id="{3F16B640-6C65-4400-A753-A13EE16F4B5F}" type="datetime1">
               <a:rPr lang="en-US" smtClean="0"/>
-              <a:t>8/14/2017</a:t>
+              <a:t>8/15/2017</a:t>
             </a:fld>
             <a:endParaRPr lang="en-US" dirty="0"/>
           </a:p>
@@ -6017,7 +6017,7 @@
           <a:p>
             <a:fld id="{4D7C9DB1-CD89-4B58-B874-C8C52BB56430}" type="datetime1">
               <a:rPr lang="en-US" smtClean="0"/>
-              <a:t>8/14/2017</a:t>
+              <a:t>8/15/2017</a:t>
             </a:fld>
             <a:endParaRPr lang="en-US" dirty="0"/>
           </a:p>
@@ -6135,7 +6135,7 @@
           <a:p>
             <a:fld id="{7BA031C0-E223-44BA-8F15-20926CFEE26A}" type="datetime1">
               <a:rPr lang="en-US" smtClean="0"/>
-              <a:t>8/14/2017</a:t>
+              <a:t>8/15/2017</a:t>
             </a:fld>
             <a:endParaRPr lang="en-US" dirty="0"/>
           </a:p>
@@ -6230,7 +6230,7 @@
           <a:p>
             <a:fld id="{2F9F2DA3-78F0-41D5-984A-5DC4421B5FC1}" type="datetime1">
               <a:rPr lang="en-US" smtClean="0"/>
-              <a:t>8/14/2017</a:t>
+              <a:t>8/15/2017</a:t>
             </a:fld>
             <a:endParaRPr lang="en-US" dirty="0"/>
           </a:p>
@@ -6518,7 +6518,7 @@
           <a:p>
             <a:fld id="{B3CC8D6F-D596-4EEF-8B87-12CF260F35BC}" type="datetime1">
               <a:rPr lang="en-US" smtClean="0"/>
-              <a:t>8/14/2017</a:t>
+              <a:t>8/15/2017</a:t>
             </a:fld>
             <a:endParaRPr lang="en-US" dirty="0"/>
           </a:p>
@@ -6791,7 +6791,7 @@
           <a:p>
             <a:fld id="{34B55110-BC3B-4391-BF14-3A558C92ACC4}" type="datetime1">
               <a:rPr lang="en-US" smtClean="0"/>
-              <a:t>8/14/2017</a:t>
+              <a:t>8/15/2017</a:t>
             </a:fld>
             <a:endParaRPr lang="en-US" dirty="0"/>
           </a:p>
@@ -7088,7 +7088,7 @@
           <a:p>
             <a:fld id="{8EA2A454-E638-41E6-BA1B-913566A93553}" type="datetime1">
               <a:rPr lang="en-US" smtClean="0"/>
-              <a:t>8/14/2017</a:t>
+              <a:t>8/15/2017</a:t>
             </a:fld>
             <a:endParaRPr lang="en-US" dirty="0"/>
           </a:p>
@@ -16290,6 +16290,72 @@
           </a:p>
         </p:txBody>
       </p:sp>
+      <p:sp>
+        <p:nvSpPr>
+          <p:cNvPr id="8" name="Rectangle 7"/>
+          <p:cNvSpPr/>
+          <p:nvPr/>
+        </p:nvSpPr>
+        <p:spPr>
+          <a:xfrm>
+            <a:off x="8011236" y="5613400"/>
+            <a:ext cx="294564" cy="309728"/>
+          </a:xfrm>
+          <a:prstGeom prst="rect">
+            <a:avLst/>
+          </a:prstGeom>
+          <a:solidFill>
+            <a:schemeClr val="bg1"/>
+          </a:solidFill>
+          <a:ln>
+            <a:solidFill>
+              <a:schemeClr val="bg1"/>
+            </a:solidFill>
+          </a:ln>
+        </p:spPr>
+        <p:style>
+          <a:lnRef idx="2">
+            <a:schemeClr val="accent1">
+              <a:shade val="50000"/>
+            </a:schemeClr>
+          </a:lnRef>
+          <a:fillRef idx="1">
+            <a:schemeClr val="accent1"/>
+          </a:fillRef>
+          <a:effectRef idx="0">
+            <a:schemeClr val="accent1"/>
+          </a:effectRef>
+          <a:fontRef idx="minor">
+            <a:schemeClr val="lt1"/>
+          </a:fontRef>
+        </p:style>
+        <p:txBody>
+          <a:bodyPr rtlCol="0" anchor="ctr"/>
+          <a:lstStyle/>
+          <a:p>
+            <a:pPr algn="ctr"/>
+            <a:r>
+              <a:rPr lang="id-ID" sz="2800" dirty="0" smtClean="0">
+                <a:solidFill>
+                  <a:schemeClr val="accent6">
+                    <a:lumMod val="60000"/>
+                    <a:lumOff val="40000"/>
+                  </a:schemeClr>
+                </a:solidFill>
+              </a:rPr>
+              <a:t>1</a:t>
+            </a:r>
+            <a:endParaRPr lang="id-ID" sz="2800" dirty="0">
+              <a:solidFill>
+                <a:schemeClr val="accent6">
+                  <a:lumMod val="60000"/>
+                  <a:lumOff val="40000"/>
+                </a:schemeClr>
+              </a:solidFill>
+            </a:endParaRPr>
+          </a:p>
+        </p:txBody>
+      </p:sp>
     </p:spTree>
     <p:extLst>
       <p:ext uri="{BB962C8B-B14F-4D97-AF65-F5344CB8AC3E}">
